--- a/docs/diagrams/UiComponentClassDiagram.pptx
+++ b/docs/diagrams/UiComponentClassDiagram.pptx
@@ -208,7 +208,7 @@
           <a:p>
             <a:fld id="{F5CC4B3F-88C1-4FFA-B1B6-F41C21DC6924}" type="datetimeFigureOut">
               <a:rPr lang="en-US" smtClean="0"/>
-              <a:t>4/5/2017</a:t>
+              <a:t>4/9/2017</a:t>
             </a:fld>
             <a:endParaRPr lang="en-US"/>
           </a:p>
@@ -654,7 +654,7 @@
           <a:p>
             <a:fld id="{78C97017-6FC3-485B-9764-EAC9E56C1D49}" type="datetimeFigureOut">
               <a:rPr lang="en-US" smtClean="0"/>
-              <a:t>4/5/2017</a:t>
+              <a:t>4/9/2017</a:t>
             </a:fld>
             <a:endParaRPr lang="en-US"/>
           </a:p>
@@ -822,7 +822,7 @@
           <a:p>
             <a:fld id="{78C97017-6FC3-485B-9764-EAC9E56C1D49}" type="datetimeFigureOut">
               <a:rPr lang="en-US" smtClean="0"/>
-              <a:t>4/5/2017</a:t>
+              <a:t>4/9/2017</a:t>
             </a:fld>
             <a:endParaRPr lang="en-US"/>
           </a:p>
@@ -1000,7 +1000,7 @@
           <a:p>
             <a:fld id="{78C97017-6FC3-485B-9764-EAC9E56C1D49}" type="datetimeFigureOut">
               <a:rPr lang="en-US" smtClean="0"/>
-              <a:t>4/5/2017</a:t>
+              <a:t>4/9/2017</a:t>
             </a:fld>
             <a:endParaRPr lang="en-US"/>
           </a:p>
@@ -1168,7 +1168,7 @@
           <a:p>
             <a:fld id="{78C97017-6FC3-485B-9764-EAC9E56C1D49}" type="datetimeFigureOut">
               <a:rPr lang="en-US" smtClean="0"/>
-              <a:t>4/5/2017</a:t>
+              <a:t>4/9/2017</a:t>
             </a:fld>
             <a:endParaRPr lang="en-US"/>
           </a:p>
@@ -1413,7 +1413,7 @@
           <a:p>
             <a:fld id="{78C97017-6FC3-485B-9764-EAC9E56C1D49}" type="datetimeFigureOut">
               <a:rPr lang="en-US" smtClean="0"/>
-              <a:t>4/5/2017</a:t>
+              <a:t>4/9/2017</a:t>
             </a:fld>
             <a:endParaRPr lang="en-US"/>
           </a:p>
@@ -1698,7 +1698,7 @@
           <a:p>
             <a:fld id="{78C97017-6FC3-485B-9764-EAC9E56C1D49}" type="datetimeFigureOut">
               <a:rPr lang="en-US" smtClean="0"/>
-              <a:t>4/5/2017</a:t>
+              <a:t>4/9/2017</a:t>
             </a:fld>
             <a:endParaRPr lang="en-US"/>
           </a:p>
@@ -2117,7 +2117,7 @@
           <a:p>
             <a:fld id="{78C97017-6FC3-485B-9764-EAC9E56C1D49}" type="datetimeFigureOut">
               <a:rPr lang="en-US" smtClean="0"/>
-              <a:t>4/5/2017</a:t>
+              <a:t>4/9/2017</a:t>
             </a:fld>
             <a:endParaRPr lang="en-US"/>
           </a:p>
@@ -2234,7 +2234,7 @@
           <a:p>
             <a:fld id="{78C97017-6FC3-485B-9764-EAC9E56C1D49}" type="datetimeFigureOut">
               <a:rPr lang="en-US" smtClean="0"/>
-              <a:t>4/5/2017</a:t>
+              <a:t>4/9/2017</a:t>
             </a:fld>
             <a:endParaRPr lang="en-US"/>
           </a:p>
@@ -2329,7 +2329,7 @@
           <a:p>
             <a:fld id="{78C97017-6FC3-485B-9764-EAC9E56C1D49}" type="datetimeFigureOut">
               <a:rPr lang="en-US" smtClean="0"/>
-              <a:t>4/5/2017</a:t>
+              <a:t>4/9/2017</a:t>
             </a:fld>
             <a:endParaRPr lang="en-US"/>
           </a:p>
@@ -2604,7 +2604,7 @@
           <a:p>
             <a:fld id="{78C97017-6FC3-485B-9764-EAC9E56C1D49}" type="datetimeFigureOut">
               <a:rPr lang="en-US" smtClean="0"/>
-              <a:t>4/5/2017</a:t>
+              <a:t>4/9/2017</a:t>
             </a:fld>
             <a:endParaRPr lang="en-US"/>
           </a:p>
@@ -2856,7 +2856,7 @@
           <a:p>
             <a:fld id="{78C97017-6FC3-485B-9764-EAC9E56C1D49}" type="datetimeFigureOut">
               <a:rPr lang="en-US" smtClean="0"/>
-              <a:t>4/5/2017</a:t>
+              <a:t>4/9/2017</a:t>
             </a:fld>
             <a:endParaRPr lang="en-US"/>
           </a:p>
@@ -3067,7 +3067,7 @@
           <a:p>
             <a:fld id="{78C97017-6FC3-485B-9764-EAC9E56C1D49}" type="datetimeFigureOut">
               <a:rPr lang="en-US" smtClean="0"/>
-              <a:t>4/5/2017</a:t>
+              <a:t>4/9/2017</a:t>
             </a:fld>
             <a:endParaRPr lang="en-US"/>
           </a:p>
@@ -3668,7 +3668,7 @@
           <a:p>
             <a:pPr algn="ctr"/>
             <a:r>
-              <a:rPr lang="en-US" sz="1050" dirty="0" err="1">
+              <a:rPr lang="en-US" sz="1050" dirty="0">
                 <a:solidFill>
                   <a:schemeClr val="bg1"/>
                 </a:solidFill>
@@ -3879,13 +3879,13 @@
       </p:sp>
       <p:sp>
         <p:nvSpPr>
-          <p:cNvPr id="34" name="Rectangle 11"/>
+          <p:cNvPr id="35" name="Rectangle 11"/>
           <p:cNvSpPr/>
           <p:nvPr/>
         </p:nvSpPr>
         <p:spPr>
           <a:xfrm>
-            <a:off x="2592528" y="3649359"/>
+            <a:off x="2582370" y="4466179"/>
             <a:ext cx="1093635" cy="236841"/>
           </a:xfrm>
           <a:prstGeom prst="rect">
@@ -3925,7 +3925,7 @@
                   </a:schemeClr>
                 </a:solidFill>
               </a:rPr>
-              <a:t>BrowserPanel</a:t>
+              <a:t>StatusBarFooter</a:t>
             </a:r>
             <a:endParaRPr lang="en-SG" sz="1050" b="1" dirty="0">
               <a:solidFill>
@@ -3939,73 +3939,13 @@
       </p:sp>
       <p:sp>
         <p:nvSpPr>
-          <p:cNvPr id="35" name="Rectangle 11"/>
-          <p:cNvSpPr/>
-          <p:nvPr/>
-        </p:nvSpPr>
-        <p:spPr>
-          <a:xfrm>
-            <a:off x="2592527" y="4563759"/>
-            <a:ext cx="1093635" cy="236841"/>
-          </a:xfrm>
-          <a:prstGeom prst="rect">
-            <a:avLst/>
-          </a:prstGeom>
-          <a:ln w="19050">
-            <a:solidFill>
-              <a:schemeClr val="accent3"/>
-            </a:solidFill>
-          </a:ln>
-          <a:effectLst/>
-        </p:spPr>
-        <p:style>
-          <a:lnRef idx="1">
-            <a:schemeClr val="accent3"/>
-          </a:lnRef>
-          <a:fillRef idx="2">
-            <a:schemeClr val="accent3"/>
-          </a:fillRef>
-          <a:effectRef idx="1">
-            <a:schemeClr val="accent3"/>
-          </a:effectRef>
-          <a:fontRef idx="minor">
-            <a:schemeClr val="dk1"/>
-          </a:fontRef>
-        </p:style>
-        <p:txBody>
-          <a:bodyPr rtlCol="0" anchor="ctr"/>
-          <a:lstStyle/>
-          <a:p>
-            <a:pPr algn="ctr"/>
-            <a:r>
-              <a:rPr lang="en-US" sz="1050" b="1" dirty="0">
-                <a:solidFill>
-                  <a:schemeClr val="accent3">
-                    <a:lumMod val="75000"/>
-                  </a:schemeClr>
-                </a:solidFill>
-              </a:rPr>
-              <a:t>StatusBarFooter</a:t>
-            </a:r>
-            <a:endParaRPr lang="en-SG" sz="1050" b="1" dirty="0">
-              <a:solidFill>
-                <a:schemeClr val="accent3">
-                  <a:lumMod val="75000"/>
-                </a:schemeClr>
-              </a:solidFill>
-            </a:endParaRPr>
-          </a:p>
-        </p:txBody>
-      </p:sp>
-      <p:sp>
-        <p:nvSpPr>
           <p:cNvPr id="36" name="Rectangle 11"/>
           <p:cNvSpPr/>
           <p:nvPr/>
         </p:nvSpPr>
         <p:spPr>
           <a:xfrm>
-            <a:off x="2592526" y="3991960"/>
+            <a:off x="2582371" y="3646265"/>
             <a:ext cx="1093635" cy="236841"/>
           </a:xfrm>
           <a:prstGeom prst="rect">
@@ -4331,7 +4271,6 @@
           <p:cNvPr id="44" name="Elbow Connector 63"/>
           <p:cNvCxnSpPr>
             <a:stCxn id="39" idx="2"/>
-            <a:endCxn id="34" idx="1"/>
           </p:cNvCxnSpPr>
           <p:nvPr/>
         </p:nvCxnSpPr>
@@ -4379,8 +4318,8 @@
         </p:nvCxnSpPr>
         <p:spPr>
           <a:xfrm rot="16200000" flipH="1">
-            <a:off x="1883148" y="3401003"/>
-            <a:ext cx="1242356" cy="176400"/>
+            <a:off x="2050918" y="3233232"/>
+            <a:ext cx="896661" cy="166245"/>
           </a:xfrm>
           <a:prstGeom prst="bentConnector2">
             <a:avLst/>
@@ -4655,7 +4594,6 @@
           <p:cNvPr id="82" name="Elbow Connector 63"/>
           <p:cNvCxnSpPr>
             <a:stCxn id="16" idx="3"/>
-            <a:endCxn id="34" idx="3"/>
           </p:cNvCxnSpPr>
           <p:nvPr/>
         </p:nvCxnSpPr>
@@ -4743,8 +4681,8 @@
         </p:nvCxnSpPr>
         <p:spPr>
           <a:xfrm rot="5400000">
-            <a:off x="3409976" y="2562187"/>
-            <a:ext cx="2396180" cy="1843807"/>
+            <a:off x="3453687" y="2508318"/>
+            <a:ext cx="2298600" cy="1853964"/>
           </a:xfrm>
           <a:prstGeom prst="bentConnector2">
             <a:avLst/>
@@ -4970,7 +4908,7 @@
           <a:p>
             <a:pPr algn="ctr"/>
             <a:r>
-              <a:rPr lang="en-US" sz="1050" dirty="0" err="1">
+              <a:rPr lang="en-US" sz="1050" dirty="0">
                 <a:solidFill>
                   <a:schemeClr val="bg1"/>
                 </a:solidFill>
@@ -5168,9 +5106,9 @@
           <p:nvPr/>
         </p:nvCxnSpPr>
         <p:spPr>
-          <a:xfrm flipV="1">
-            <a:off x="3686161" y="3960231"/>
-            <a:ext cx="345878" cy="150150"/>
+          <a:xfrm>
+            <a:off x="3676006" y="3764686"/>
+            <a:ext cx="356033" cy="195545"/>
           </a:xfrm>
           <a:prstGeom prst="bentConnector3">
             <a:avLst>
@@ -5212,8 +5150,8 @@
         </p:nvCxnSpPr>
         <p:spPr>
           <a:xfrm rot="5400000">
-            <a:off x="3695875" y="2276286"/>
-            <a:ext cx="1824381" cy="1843808"/>
+            <a:off x="3863645" y="2098362"/>
+            <a:ext cx="1478686" cy="1853963"/>
           </a:xfrm>
           <a:prstGeom prst="bentConnector2">
             <a:avLst/>
@@ -5642,7 +5580,7 @@
         </p:nvCxnSpPr>
         <p:spPr>
           <a:xfrm rot="16200000" flipH="1">
-            <a:off x="1881422" y="3885778"/>
+            <a:off x="1881422" y="3868053"/>
             <a:ext cx="1242356" cy="176400"/>
           </a:xfrm>
           <a:prstGeom prst="bentConnector2">
@@ -5680,7 +5618,7 @@
         </p:nvSpPr>
         <p:spPr>
           <a:xfrm>
-            <a:off x="2590800" y="4280658"/>
+            <a:off x="2590800" y="4019807"/>
             <a:ext cx="1093635" cy="236841"/>
           </a:xfrm>
           <a:prstGeom prst="rect">
@@ -5742,7 +5680,7 @@
         </p:nvCxnSpPr>
         <p:spPr>
           <a:xfrm rot="16200000" flipH="1">
-            <a:off x="1881422" y="3657179"/>
+            <a:off x="1881422" y="3432186"/>
             <a:ext cx="1242356" cy="176400"/>
           </a:xfrm>
           <a:prstGeom prst="bentConnector2">
@@ -5777,13 +5715,14 @@
           <p:cNvPr id="54" name="Elbow Connector 136"/>
           <p:cNvCxnSpPr>
             <a:cxnSpLocks/>
+            <a:stCxn id="49" idx="3"/>
           </p:cNvCxnSpPr>
           <p:nvPr/>
         </p:nvCxnSpPr>
         <p:spPr>
-          <a:xfrm flipV="1">
-            <a:off x="3692722" y="4267200"/>
-            <a:ext cx="345878" cy="150150"/>
+          <a:xfrm>
+            <a:off x="3684435" y="4138228"/>
+            <a:ext cx="354165" cy="128972"/>
           </a:xfrm>
           <a:prstGeom prst="bentConnector3">
             <a:avLst>
@@ -5916,6 +5855,110 @@
             </a:solidFill>
             <a:headEnd type="none" w="med" len="med"/>
             <a:tailEnd type="none" w="med" len="med"/>
+          </a:ln>
+          <a:effectLst/>
+        </p:spPr>
+        <p:style>
+          <a:lnRef idx="1">
+            <a:schemeClr val="accent2"/>
+          </a:lnRef>
+          <a:fillRef idx="2">
+            <a:schemeClr val="accent2"/>
+          </a:fillRef>
+          <a:effectRef idx="1">
+            <a:schemeClr val="accent2"/>
+          </a:effectRef>
+          <a:fontRef idx="minor">
+            <a:schemeClr val="dk1"/>
+          </a:fontRef>
+        </p:style>
+      </p:cxnSp>
+      <p:sp>
+        <p:nvSpPr>
+          <p:cNvPr id="57" name="Rectangle 11"/>
+          <p:cNvSpPr/>
+          <p:nvPr/>
+        </p:nvSpPr>
+        <p:spPr>
+          <a:xfrm>
+            <a:off x="4160777" y="4669582"/>
+            <a:ext cx="1093635" cy="236841"/>
+          </a:xfrm>
+          <a:prstGeom prst="rect">
+            <a:avLst/>
+          </a:prstGeom>
+          <a:ln w="19050">
+            <a:solidFill>
+              <a:schemeClr val="accent3"/>
+            </a:solidFill>
+          </a:ln>
+          <a:effectLst/>
+        </p:spPr>
+        <p:style>
+          <a:lnRef idx="1">
+            <a:schemeClr val="accent3"/>
+          </a:lnRef>
+          <a:fillRef idx="2">
+            <a:schemeClr val="accent3"/>
+          </a:fillRef>
+          <a:effectRef idx="1">
+            <a:schemeClr val="accent3"/>
+          </a:effectRef>
+          <a:fontRef idx="minor">
+            <a:schemeClr val="dk1"/>
+          </a:fontRef>
+        </p:style>
+        <p:txBody>
+          <a:bodyPr rtlCol="0" anchor="ctr"/>
+          <a:lstStyle/>
+          <a:p>
+            <a:pPr algn="ctr"/>
+            <a:r>
+              <a:rPr lang="en-US" sz="1050" b="1" dirty="0">
+                <a:solidFill>
+                  <a:schemeClr val="accent3">
+                    <a:lumMod val="75000"/>
+                  </a:schemeClr>
+                </a:solidFill>
+              </a:rPr>
+              <a:t>CalendarAdder</a:t>
+            </a:r>
+            <a:endParaRPr lang="en-SG" sz="1050" b="1" dirty="0">
+              <a:solidFill>
+                <a:schemeClr val="accent3">
+                  <a:lumMod val="75000"/>
+                </a:schemeClr>
+              </a:solidFill>
+            </a:endParaRPr>
+          </a:p>
+        </p:txBody>
+      </p:sp>
+      <p:cxnSp>
+        <p:nvCxnSpPr>
+          <p:cNvPr id="58" name="Elbow Connector 63"/>
+          <p:cNvCxnSpPr>
+            <a:cxnSpLocks/>
+            <a:stCxn id="57" idx="1"/>
+            <a:endCxn id="48" idx="3"/>
+          </p:cNvCxnSpPr>
+          <p:nvPr/>
+        </p:nvCxnSpPr>
+        <p:spPr>
+          <a:xfrm rot="10800000" flipV="1">
+            <a:off x="3684435" y="4788003"/>
+            <a:ext cx="476342" cy="207218"/>
+          </a:xfrm>
+          <a:prstGeom prst="bentConnector3">
+            <a:avLst>
+              <a:gd name="adj1" fmla="val 50000"/>
+            </a:avLst>
+          </a:prstGeom>
+          <a:ln w="19050">
+            <a:solidFill>
+              <a:schemeClr val="accent3"/>
+            </a:solidFill>
+            <a:headEnd type="none" w="med" len="med"/>
+            <a:tailEnd type="arrow" w="med" len="med"/>
           </a:ln>
           <a:effectLst/>
         </p:spPr>

--- a/docs/diagrams/UiComponentClassDiagram.pptx
+++ b/docs/diagrams/UiComponentClassDiagram.pptx
@@ -208,7 +208,7 @@
           <a:p>
             <a:fld id="{F5CC4B3F-88C1-4FFA-B1B6-F41C21DC6924}" type="datetimeFigureOut">
               <a:rPr lang="en-US" smtClean="0"/>
-              <a:t>4/9/2017</a:t>
+              <a:t>4/9/17</a:t>
             </a:fld>
             <a:endParaRPr lang="en-US"/>
           </a:p>
@@ -654,7 +654,7 @@
           <a:p>
             <a:fld id="{78C97017-6FC3-485B-9764-EAC9E56C1D49}" type="datetimeFigureOut">
               <a:rPr lang="en-US" smtClean="0"/>
-              <a:t>4/9/2017</a:t>
+              <a:t>4/9/17</a:t>
             </a:fld>
             <a:endParaRPr lang="en-US"/>
           </a:p>
@@ -822,7 +822,7 @@
           <a:p>
             <a:fld id="{78C97017-6FC3-485B-9764-EAC9E56C1D49}" type="datetimeFigureOut">
               <a:rPr lang="en-US" smtClean="0"/>
-              <a:t>4/9/2017</a:t>
+              <a:t>4/9/17</a:t>
             </a:fld>
             <a:endParaRPr lang="en-US"/>
           </a:p>
@@ -1000,7 +1000,7 @@
           <a:p>
             <a:fld id="{78C97017-6FC3-485B-9764-EAC9E56C1D49}" type="datetimeFigureOut">
               <a:rPr lang="en-US" smtClean="0"/>
-              <a:t>4/9/2017</a:t>
+              <a:t>4/9/17</a:t>
             </a:fld>
             <a:endParaRPr lang="en-US"/>
           </a:p>
@@ -1168,7 +1168,7 @@
           <a:p>
             <a:fld id="{78C97017-6FC3-485B-9764-EAC9E56C1D49}" type="datetimeFigureOut">
               <a:rPr lang="en-US" smtClean="0"/>
-              <a:t>4/9/2017</a:t>
+              <a:t>4/9/17</a:t>
             </a:fld>
             <a:endParaRPr lang="en-US"/>
           </a:p>
@@ -1413,7 +1413,7 @@
           <a:p>
             <a:fld id="{78C97017-6FC3-485B-9764-EAC9E56C1D49}" type="datetimeFigureOut">
               <a:rPr lang="en-US" smtClean="0"/>
-              <a:t>4/9/2017</a:t>
+              <a:t>4/9/17</a:t>
             </a:fld>
             <a:endParaRPr lang="en-US"/>
           </a:p>
@@ -1698,7 +1698,7 @@
           <a:p>
             <a:fld id="{78C97017-6FC3-485B-9764-EAC9E56C1D49}" type="datetimeFigureOut">
               <a:rPr lang="en-US" smtClean="0"/>
-              <a:t>4/9/2017</a:t>
+              <a:t>4/9/17</a:t>
             </a:fld>
             <a:endParaRPr lang="en-US"/>
           </a:p>
@@ -2117,7 +2117,7 @@
           <a:p>
             <a:fld id="{78C97017-6FC3-485B-9764-EAC9E56C1D49}" type="datetimeFigureOut">
               <a:rPr lang="en-US" smtClean="0"/>
-              <a:t>4/9/2017</a:t>
+              <a:t>4/9/17</a:t>
             </a:fld>
             <a:endParaRPr lang="en-US"/>
           </a:p>
@@ -2234,7 +2234,7 @@
           <a:p>
             <a:fld id="{78C97017-6FC3-485B-9764-EAC9E56C1D49}" type="datetimeFigureOut">
               <a:rPr lang="en-US" smtClean="0"/>
-              <a:t>4/9/2017</a:t>
+              <a:t>4/9/17</a:t>
             </a:fld>
             <a:endParaRPr lang="en-US"/>
           </a:p>
@@ -2329,7 +2329,7 @@
           <a:p>
             <a:fld id="{78C97017-6FC3-485B-9764-EAC9E56C1D49}" type="datetimeFigureOut">
               <a:rPr lang="en-US" smtClean="0"/>
-              <a:t>4/9/2017</a:t>
+              <a:t>4/9/17</a:t>
             </a:fld>
             <a:endParaRPr lang="en-US"/>
           </a:p>
@@ -2604,7 +2604,7 @@
           <a:p>
             <a:fld id="{78C97017-6FC3-485B-9764-EAC9E56C1D49}" type="datetimeFigureOut">
               <a:rPr lang="en-US" smtClean="0"/>
-              <a:t>4/9/2017</a:t>
+              <a:t>4/9/17</a:t>
             </a:fld>
             <a:endParaRPr lang="en-US"/>
           </a:p>
@@ -2856,7 +2856,7 @@
           <a:p>
             <a:fld id="{78C97017-6FC3-485B-9764-EAC9E56C1D49}" type="datetimeFigureOut">
               <a:rPr lang="en-US" smtClean="0"/>
-              <a:t>4/9/2017</a:t>
+              <a:t>4/9/17</a:t>
             </a:fld>
             <a:endParaRPr lang="en-US"/>
           </a:p>
@@ -3067,7 +3067,7 @@
           <a:p>
             <a:fld id="{78C97017-6FC3-485B-9764-EAC9E56C1D49}" type="datetimeFigureOut">
               <a:rPr lang="en-US" smtClean="0"/>
-              <a:t>4/9/2017</a:t>
+              <a:t>4/9/17</a:t>
             </a:fld>
             <a:endParaRPr lang="en-US"/>
           </a:p>
@@ -4005,7 +4005,7 @@
         </p:nvSpPr>
         <p:spPr>
           <a:xfrm>
-            <a:off x="4032039" y="3841810"/>
+            <a:off x="4032039" y="3874637"/>
             <a:ext cx="1040906" cy="236841"/>
           </a:xfrm>
           <a:prstGeom prst="rect">
@@ -4559,8 +4559,8 @@
         </p:nvCxnSpPr>
         <p:spPr>
           <a:xfrm rot="5400000">
-            <a:off x="4464342" y="2894603"/>
-            <a:ext cx="1674231" cy="457024"/>
+            <a:off x="4447928" y="2911017"/>
+            <a:ext cx="1707058" cy="457024"/>
           </a:xfrm>
           <a:prstGeom prst="bentConnector2">
             <a:avLst/>
@@ -4599,8 +4599,8 @@
         </p:nvCxnSpPr>
         <p:spPr>
           <a:xfrm rot="5400000">
-            <a:off x="3867176" y="2104987"/>
-            <a:ext cx="1481780" cy="1843806"/>
+            <a:off x="3880285" y="2100308"/>
+            <a:ext cx="1463993" cy="1835377"/>
           </a:xfrm>
           <a:prstGeom prst="bentConnector2">
             <a:avLst/>
@@ -5100,15 +5100,14 @@
           <p:cNvPr id="137" name="Elbow Connector 136"/>
           <p:cNvCxnSpPr>
             <a:cxnSpLocks/>
-            <a:stCxn id="36" idx="3"/>
             <a:endCxn id="37" idx="1"/>
           </p:cNvCxnSpPr>
           <p:nvPr/>
         </p:nvCxnSpPr>
         <p:spPr>
           <a:xfrm>
-            <a:off x="3676006" y="3764686"/>
-            <a:ext cx="356033" cy="195545"/>
+            <a:off x="3694592" y="3813591"/>
+            <a:ext cx="337447" cy="179467"/>
           </a:xfrm>
           <a:prstGeom prst="bentConnector3">
             <a:avLst>
@@ -5121,47 +5120,6 @@
             </a:solidFill>
             <a:headEnd type="none" w="med" len="med"/>
             <a:tailEnd type="arrow" w="med" len="med"/>
-          </a:ln>
-          <a:effectLst/>
-        </p:spPr>
-        <p:style>
-          <a:lnRef idx="1">
-            <a:schemeClr val="accent2"/>
-          </a:lnRef>
-          <a:fillRef idx="2">
-            <a:schemeClr val="accent2"/>
-          </a:fillRef>
-          <a:effectRef idx="1">
-            <a:schemeClr val="accent2"/>
-          </a:effectRef>
-          <a:fontRef idx="minor">
-            <a:schemeClr val="dk1"/>
-          </a:fontRef>
-        </p:style>
-      </p:cxnSp>
-      <p:cxnSp>
-        <p:nvCxnSpPr>
-          <p:cNvPr id="140" name="Elbow Connector 63"/>
-          <p:cNvCxnSpPr>
-            <a:stCxn id="16" idx="3"/>
-            <a:endCxn id="36" idx="3"/>
-          </p:cNvCxnSpPr>
-          <p:nvPr/>
-        </p:nvCxnSpPr>
-        <p:spPr>
-          <a:xfrm rot="5400000">
-            <a:off x="3863645" y="2098362"/>
-            <a:ext cx="1478686" cy="1853963"/>
-          </a:xfrm>
-          <a:prstGeom prst="bentConnector2">
-            <a:avLst/>
-          </a:prstGeom>
-          <a:ln w="6350">
-            <a:solidFill>
-              <a:schemeClr val="accent3"/>
-            </a:solidFill>
-            <a:headEnd type="none" w="med" len="med"/>
-            <a:tailEnd type="none" w="med" len="med"/>
           </a:ln>
           <a:effectLst/>
         </p:spPr>
@@ -5377,7 +5335,7 @@
         <p:spPr>
           <a:xfrm flipV="1">
             <a:off x="5072945" y="4337907"/>
-            <a:ext cx="1684049" cy="236401"/>
+            <a:ext cx="1684049" cy="150230"/>
           </a:xfrm>
           <a:custGeom>
             <a:avLst/>
@@ -5938,15 +5896,13 @@
           <p:cNvPr id="58" name="Elbow Connector 63"/>
           <p:cNvCxnSpPr>
             <a:cxnSpLocks/>
-            <a:stCxn id="57" idx="1"/>
-            <a:endCxn id="48" idx="3"/>
           </p:cNvCxnSpPr>
           <p:nvPr/>
         </p:nvCxnSpPr>
         <p:spPr>
           <a:xfrm rot="10800000" flipV="1">
-            <a:off x="3684435" y="4788003"/>
-            <a:ext cx="476342" cy="207218"/>
+            <a:off x="3694593" y="4786322"/>
+            <a:ext cx="467645" cy="264532"/>
           </a:xfrm>
           <a:prstGeom prst="bentConnector3">
             <a:avLst>

--- a/docs/diagrams/UiComponentClassDiagram.pptx
+++ b/docs/diagrams/UiComponentClassDiagram.pptx
@@ -208,7 +208,7 @@
           <a:p>
             <a:fld id="{F5CC4B3F-88C1-4FFA-B1B6-F41C21DC6924}" type="datetimeFigureOut">
               <a:rPr lang="en-US" smtClean="0"/>
-              <a:t>4/9/17</a:t>
+              <a:t>4/10/17</a:t>
             </a:fld>
             <a:endParaRPr lang="en-US"/>
           </a:p>
@@ -654,7 +654,7 @@
           <a:p>
             <a:fld id="{78C97017-6FC3-485B-9764-EAC9E56C1D49}" type="datetimeFigureOut">
               <a:rPr lang="en-US" smtClean="0"/>
-              <a:t>4/9/17</a:t>
+              <a:t>4/10/17</a:t>
             </a:fld>
             <a:endParaRPr lang="en-US"/>
           </a:p>
@@ -822,7 +822,7 @@
           <a:p>
             <a:fld id="{78C97017-6FC3-485B-9764-EAC9E56C1D49}" type="datetimeFigureOut">
               <a:rPr lang="en-US" smtClean="0"/>
-              <a:t>4/9/17</a:t>
+              <a:t>4/10/17</a:t>
             </a:fld>
             <a:endParaRPr lang="en-US"/>
           </a:p>
@@ -1000,7 +1000,7 @@
           <a:p>
             <a:fld id="{78C97017-6FC3-485B-9764-EAC9E56C1D49}" type="datetimeFigureOut">
               <a:rPr lang="en-US" smtClean="0"/>
-              <a:t>4/9/17</a:t>
+              <a:t>4/10/17</a:t>
             </a:fld>
             <a:endParaRPr lang="en-US"/>
           </a:p>
@@ -1168,7 +1168,7 @@
           <a:p>
             <a:fld id="{78C97017-6FC3-485B-9764-EAC9E56C1D49}" type="datetimeFigureOut">
               <a:rPr lang="en-US" smtClean="0"/>
-              <a:t>4/9/17</a:t>
+              <a:t>4/10/17</a:t>
             </a:fld>
             <a:endParaRPr lang="en-US"/>
           </a:p>
@@ -1413,7 +1413,7 @@
           <a:p>
             <a:fld id="{78C97017-6FC3-485B-9764-EAC9E56C1D49}" type="datetimeFigureOut">
               <a:rPr lang="en-US" smtClean="0"/>
-              <a:t>4/9/17</a:t>
+              <a:t>4/10/17</a:t>
             </a:fld>
             <a:endParaRPr lang="en-US"/>
           </a:p>
@@ -1698,7 +1698,7 @@
           <a:p>
             <a:fld id="{78C97017-6FC3-485B-9764-EAC9E56C1D49}" type="datetimeFigureOut">
               <a:rPr lang="en-US" smtClean="0"/>
-              <a:t>4/9/17</a:t>
+              <a:t>4/10/17</a:t>
             </a:fld>
             <a:endParaRPr lang="en-US"/>
           </a:p>
@@ -2117,7 +2117,7 @@
           <a:p>
             <a:fld id="{78C97017-6FC3-485B-9764-EAC9E56C1D49}" type="datetimeFigureOut">
               <a:rPr lang="en-US" smtClean="0"/>
-              <a:t>4/9/17</a:t>
+              <a:t>4/10/17</a:t>
             </a:fld>
             <a:endParaRPr lang="en-US"/>
           </a:p>
@@ -2234,7 +2234,7 @@
           <a:p>
             <a:fld id="{78C97017-6FC3-485B-9764-EAC9E56C1D49}" type="datetimeFigureOut">
               <a:rPr lang="en-US" smtClean="0"/>
-              <a:t>4/9/17</a:t>
+              <a:t>4/10/17</a:t>
             </a:fld>
             <a:endParaRPr lang="en-US"/>
           </a:p>
@@ -2329,7 +2329,7 @@
           <a:p>
             <a:fld id="{78C97017-6FC3-485B-9764-EAC9E56C1D49}" type="datetimeFigureOut">
               <a:rPr lang="en-US" smtClean="0"/>
-              <a:t>4/9/17</a:t>
+              <a:t>4/10/17</a:t>
             </a:fld>
             <a:endParaRPr lang="en-US"/>
           </a:p>
@@ -2604,7 +2604,7 @@
           <a:p>
             <a:fld id="{78C97017-6FC3-485B-9764-EAC9E56C1D49}" type="datetimeFigureOut">
               <a:rPr lang="en-US" smtClean="0"/>
-              <a:t>4/9/17</a:t>
+              <a:t>4/10/17</a:t>
             </a:fld>
             <a:endParaRPr lang="en-US"/>
           </a:p>
@@ -2856,7 +2856,7 @@
           <a:p>
             <a:fld id="{78C97017-6FC3-485B-9764-EAC9E56C1D49}" type="datetimeFigureOut">
               <a:rPr lang="en-US" smtClean="0"/>
-              <a:t>4/9/17</a:t>
+              <a:t>4/10/17</a:t>
             </a:fld>
             <a:endParaRPr lang="en-US"/>
           </a:p>
@@ -3067,7 +3067,7 @@
           <a:p>
             <a:fld id="{78C97017-6FC3-485B-9764-EAC9E56C1D49}" type="datetimeFigureOut">
               <a:rPr lang="en-US" smtClean="0"/>
-              <a:t>4/9/17</a:t>
+              <a:t>4/10/17</a:t>
             </a:fld>
             <a:endParaRPr lang="en-US"/>
           </a:p>
@@ -4392,14 +4392,15 @@
         <p:nvCxnSpPr>
           <p:cNvPr id="53" name="Elbow Connector 63"/>
           <p:cNvCxnSpPr>
+            <a:stCxn id="39" idx="2"/>
             <a:endCxn id="38" idx="1"/>
           </p:cNvCxnSpPr>
           <p:nvPr/>
         </p:nvCxnSpPr>
         <p:spPr>
           <a:xfrm rot="16200000" flipH="1">
-            <a:off x="1184119" y="3891612"/>
-            <a:ext cx="2396440" cy="420377"/>
+            <a:off x="1288329" y="3995822"/>
+            <a:ext cx="2431996" cy="176402"/>
           </a:xfrm>
           <a:prstGeom prst="bentConnector2">
             <a:avLst/>
